--- a/Smartlearning.dk/IT-sikkerhed - webinar 4.pptx
+++ b/Smartlearning.dk/IT-sikkerhed - webinar 4.pptx
@@ -17,7 +17,9 @@
     <p:sldId id="267" r:id="rId11"/>
     <p:sldId id="263" r:id="rId12"/>
     <p:sldId id="268" r:id="rId13"/>
-    <p:sldId id="269" r:id="rId14"/>
+    <p:sldId id="270" r:id="rId14"/>
+    <p:sldId id="271" r:id="rId15"/>
+    <p:sldId id="269" r:id="rId16"/>
   </p:sldIdLst>
   <p:sldSz cx="12192000" cy="6858000"/>
   <p:notesSz cx="6858000" cy="9144000"/>
@@ -116,6 +118,11 @@
       </a:defRPr>
     </a:lvl9pPr>
   </p:defaultTextStyle>
+  <p:extLst>
+    <p:ext uri="{EFAFB233-063F-42B5-8137-9DF3F51BA10A}">
+      <p15:sldGuideLst xmlns:p15="http://schemas.microsoft.com/office/powerpoint/2012/main"/>
+    </p:ext>
+  </p:extLst>
 </p:presentation>
 </file>
 
@@ -258,7 +265,7 @@
           <a:p>
             <a:fld id="{62E80CEA-5F2D-4F19-8317-BD6DABCB9991}" type="datetimeFigureOut">
               <a:rPr lang="da-DK" smtClean="0"/>
-              <a:t>08-11-2016</a:t>
+              <a:t>29-11-2016</a:t>
             </a:fld>
             <a:endParaRPr lang="da-DK"/>
           </a:p>
@@ -469,7 +476,7 @@
           <a:p>
             <a:fld id="{62E80CEA-5F2D-4F19-8317-BD6DABCB9991}" type="datetimeFigureOut">
               <a:rPr lang="da-DK" smtClean="0"/>
-              <a:t>08-11-2016</a:t>
+              <a:t>29-11-2016</a:t>
             </a:fld>
             <a:endParaRPr lang="da-DK"/>
           </a:p>
@@ -684,7 +691,7 @@
           <a:p>
             <a:fld id="{62E80CEA-5F2D-4F19-8317-BD6DABCB9991}" type="datetimeFigureOut">
               <a:rPr lang="da-DK" smtClean="0"/>
-              <a:t>08-11-2016</a:t>
+              <a:t>29-11-2016</a:t>
             </a:fld>
             <a:endParaRPr lang="da-DK"/>
           </a:p>
@@ -885,7 +892,7 @@
           <a:p>
             <a:fld id="{62E80CEA-5F2D-4F19-8317-BD6DABCB9991}" type="datetimeFigureOut">
               <a:rPr lang="da-DK" smtClean="0"/>
-              <a:t>08-11-2016</a:t>
+              <a:t>29-11-2016</a:t>
             </a:fld>
             <a:endParaRPr lang="da-DK"/>
           </a:p>
@@ -1164,7 +1171,7 @@
           <a:p>
             <a:fld id="{62E80CEA-5F2D-4F19-8317-BD6DABCB9991}" type="datetimeFigureOut">
               <a:rPr lang="da-DK" smtClean="0"/>
-              <a:t>08-11-2016</a:t>
+              <a:t>29-11-2016</a:t>
             </a:fld>
             <a:endParaRPr lang="da-DK"/>
           </a:p>
@@ -1432,7 +1439,7 @@
           <a:p>
             <a:fld id="{62E80CEA-5F2D-4F19-8317-BD6DABCB9991}" type="datetimeFigureOut">
               <a:rPr lang="da-DK" smtClean="0"/>
-              <a:t>08-11-2016</a:t>
+              <a:t>29-11-2016</a:t>
             </a:fld>
             <a:endParaRPr lang="da-DK"/>
           </a:p>
@@ -1848,7 +1855,7 @@
           <a:p>
             <a:fld id="{62E80CEA-5F2D-4F19-8317-BD6DABCB9991}" type="datetimeFigureOut">
               <a:rPr lang="da-DK" smtClean="0"/>
-              <a:t>08-11-2016</a:t>
+              <a:t>29-11-2016</a:t>
             </a:fld>
             <a:endParaRPr lang="da-DK"/>
           </a:p>
@@ -1997,7 +2004,7 @@
           <a:p>
             <a:fld id="{62E80CEA-5F2D-4F19-8317-BD6DABCB9991}" type="datetimeFigureOut">
               <a:rPr lang="da-DK" smtClean="0"/>
-              <a:t>08-11-2016</a:t>
+              <a:t>29-11-2016</a:t>
             </a:fld>
             <a:endParaRPr lang="da-DK"/>
           </a:p>
@@ -2123,7 +2130,7 @@
           <a:p>
             <a:fld id="{62E80CEA-5F2D-4F19-8317-BD6DABCB9991}" type="datetimeFigureOut">
               <a:rPr lang="da-DK" smtClean="0"/>
-              <a:t>08-11-2016</a:t>
+              <a:t>29-11-2016</a:t>
             </a:fld>
             <a:endParaRPr lang="da-DK"/>
           </a:p>
@@ -2374,7 +2381,7 @@
           <a:p>
             <a:fld id="{62E80CEA-5F2D-4F19-8317-BD6DABCB9991}" type="datetimeFigureOut">
               <a:rPr lang="da-DK" smtClean="0"/>
-              <a:t>08-11-2016</a:t>
+              <a:t>29-11-2016</a:t>
             </a:fld>
             <a:endParaRPr lang="da-DK"/>
           </a:p>
@@ -2819,7 +2826,7 @@
           <a:p>
             <a:fld id="{62E80CEA-5F2D-4F19-8317-BD6DABCB9991}" type="datetimeFigureOut">
               <a:rPr lang="da-DK" smtClean="0"/>
-              <a:t>08-11-2016</a:t>
+              <a:t>29-11-2016</a:t>
             </a:fld>
             <a:endParaRPr lang="da-DK"/>
           </a:p>
@@ -3145,7 +3152,7 @@
           <a:p>
             <a:fld id="{62E80CEA-5F2D-4F19-8317-BD6DABCB9991}" type="datetimeFigureOut">
               <a:rPr lang="da-DK" smtClean="0"/>
-              <a:t>08-11-2016</a:t>
+              <a:t>29-11-2016</a:t>
             </a:fld>
             <a:endParaRPr lang="da-DK"/>
           </a:p>
@@ -3847,7 +3854,15 @@
           <a:p>
             <a:r>
               <a:rPr lang="da-DK" dirty="0"/>
-              <a:t>Benyt evt. ISO 17799 som udgangspunkt, bare i en højniveau-beskrivelse som udgangspunkt, fx denne tekst </a:t>
+              <a:t>Benyt evt. ISO </a:t>
+            </a:r>
+            <a:r>
+              <a:rPr lang="da-DK" dirty="0"/>
+              <a:t>27002/</a:t>
+            </a:r>
+            <a:r>
+              <a:rPr lang="da-DK" dirty="0"/>
+              <a:t>17799 som udgangspunkt, bare i en højniveau-beskrivelse som udgangspunkt, fx denne tekst </a:t>
             </a:r>
             <a:r>
               <a:rPr lang="da-DK" dirty="0">
@@ -3914,9 +3929,10 @@
           <a:lstStyle/>
           <a:p>
             <a:r>
-              <a:rPr lang="da-DK" dirty="0"/>
-              <a:t>Diskussion og evaluering</a:t>
-            </a:r>
+              <a:rPr lang="da-DK"/>
+              <a:t>Diskussion</a:t>
+            </a:r>
+            <a:endParaRPr lang="da-DK" dirty="0"/>
           </a:p>
         </p:txBody>
       </p:sp>
@@ -3950,18 +3966,6 @@
             <a:r>
               <a:rPr lang="da-DK" dirty="0"/>
               <a:t>Kunne I tænke jer at implementere nogle af de ideer her?</a:t>
-            </a:r>
-          </a:p>
-          <a:p>
-            <a:r>
-              <a:rPr lang="da-DK" dirty="0"/>
-              <a:t>Hvad har I kunnet bruge fra kurset? </a:t>
-            </a:r>
-          </a:p>
-          <a:p>
-            <a:r>
-              <a:rPr lang="da-DK" dirty="0"/>
-              <a:t>Hvad kan jeg forbedre som underviser? </a:t>
             </a:r>
           </a:p>
         </p:txBody>
@@ -4013,6 +4017,164 @@
           <a:p>
             <a:r>
               <a:rPr lang="da-DK" dirty="0"/>
+              <a:t>evaluering</a:t>
+            </a:r>
+            <a:endParaRPr lang="da-DK" dirty="0"/>
+          </a:p>
+        </p:txBody>
+      </p:sp>
+      <p:sp>
+        <p:nvSpPr>
+          <p:cNvPr id="3" name="Pladsholder til indhold 2"/>
+          <p:cNvSpPr>
+            <a:spLocks noGrp="1"/>
+          </p:cNvSpPr>
+          <p:nvPr>
+            <p:ph idx="1"/>
+          </p:nvPr>
+        </p:nvSpPr>
+        <p:spPr/>
+        <p:txBody>
+          <a:bodyPr/>
+          <a:lstStyle/>
+          <a:p>
+            <a:r>
+              <a:rPr lang="da-DK" dirty="0"/>
+              <a:t>Hvad har I kunnet bruge fra kurset? </a:t>
+            </a:r>
+          </a:p>
+          <a:p>
+            <a:r>
+              <a:rPr lang="da-DK" dirty="0"/>
+              <a:t>Hvad kan jeg forbedre som underviser? </a:t>
+            </a:r>
+          </a:p>
+          <a:p>
+            <a:endParaRPr lang="da-DK" dirty="0"/>
+          </a:p>
+        </p:txBody>
+      </p:sp>
+    </p:spTree>
+    <p:extLst>
+      <p:ext uri="{BB962C8B-B14F-4D97-AF65-F5344CB8AC3E}">
+        <p14:creationId xmlns:p14="http://schemas.microsoft.com/office/powerpoint/2010/main" val="3351723616"/>
+      </p:ext>
+    </p:extLst>
+  </p:cSld>
+  <p:clrMapOvr>
+    <a:masterClrMapping/>
+  </p:clrMapOvr>
+</p:sld>
+</file>
+
+<file path=ppt/slides/slide14.xml><?xml version="1.0" encoding="utf-8"?>
+<p:sld xmlns:a="http://schemas.openxmlformats.org/drawingml/2006/main" xmlns:r="http://schemas.openxmlformats.org/officeDocument/2006/relationships" xmlns:p="http://schemas.openxmlformats.org/presentationml/2006/main">
+  <p:cSld>
+    <p:spTree>
+      <p:nvGrpSpPr>
+        <p:cNvPr id="1" name=""/>
+        <p:cNvGrpSpPr/>
+        <p:nvPr/>
+      </p:nvGrpSpPr>
+      <p:grpSpPr>
+        <a:xfrm>
+          <a:off x="0" y="0"/>
+          <a:ext cx="0" cy="0"/>
+          <a:chOff x="0" y="0"/>
+          <a:chExt cx="0" cy="0"/>
+        </a:xfrm>
+      </p:grpSpPr>
+      <p:sp>
+        <p:nvSpPr>
+          <p:cNvPr id="2" name="Titel 1"/>
+          <p:cNvSpPr>
+            <a:spLocks noGrp="1"/>
+          </p:cNvSpPr>
+          <p:nvPr>
+            <p:ph type="title"/>
+          </p:nvPr>
+        </p:nvSpPr>
+        <p:spPr/>
+        <p:txBody>
+          <a:bodyPr/>
+          <a:lstStyle/>
+          <a:p>
+            <a:r>
+              <a:rPr lang="da-DK" dirty="0"/>
+              <a:t>Spørgsmål</a:t>
+            </a:r>
+          </a:p>
+        </p:txBody>
+      </p:sp>
+      <p:sp>
+        <p:nvSpPr>
+          <p:cNvPr id="3" name="Pladsholder til indhold 2"/>
+          <p:cNvSpPr>
+            <a:spLocks noGrp="1"/>
+          </p:cNvSpPr>
+          <p:nvPr>
+            <p:ph idx="1"/>
+          </p:nvPr>
+        </p:nvSpPr>
+        <p:spPr/>
+        <p:txBody>
+          <a:bodyPr/>
+          <a:lstStyle/>
+          <a:p>
+            <a:r>
+              <a:rPr lang="da-DK" dirty="0"/>
+              <a:t>Spørg om alt!</a:t>
+            </a:r>
+          </a:p>
+        </p:txBody>
+      </p:sp>
+    </p:spTree>
+    <p:extLst>
+      <p:ext uri="{BB962C8B-B14F-4D97-AF65-F5344CB8AC3E}">
+        <p14:creationId xmlns:p14="http://schemas.microsoft.com/office/powerpoint/2010/main" val="2487936452"/>
+      </p:ext>
+    </p:extLst>
+  </p:cSld>
+  <p:clrMapOvr>
+    <a:masterClrMapping/>
+  </p:clrMapOvr>
+</p:sld>
+</file>
+
+<file path=ppt/slides/slide15.xml><?xml version="1.0" encoding="utf-8"?>
+<p:sld xmlns:a="http://schemas.openxmlformats.org/drawingml/2006/main" xmlns:r="http://schemas.openxmlformats.org/officeDocument/2006/relationships" xmlns:p="http://schemas.openxmlformats.org/presentationml/2006/main">
+  <p:cSld>
+    <p:spTree>
+      <p:nvGrpSpPr>
+        <p:cNvPr id="1" name=""/>
+        <p:cNvGrpSpPr/>
+        <p:nvPr/>
+      </p:nvGrpSpPr>
+      <p:grpSpPr>
+        <a:xfrm>
+          <a:off x="0" y="0"/>
+          <a:ext cx="0" cy="0"/>
+          <a:chOff x="0" y="0"/>
+          <a:chExt cx="0" cy="0"/>
+        </a:xfrm>
+      </p:grpSpPr>
+      <p:sp>
+        <p:nvSpPr>
+          <p:cNvPr id="2" name="Titel 1"/>
+          <p:cNvSpPr>
+            <a:spLocks noGrp="1"/>
+          </p:cNvSpPr>
+          <p:nvPr>
+            <p:ph type="title"/>
+          </p:nvPr>
+        </p:nvSpPr>
+        <p:spPr/>
+        <p:txBody>
+          <a:bodyPr/>
+          <a:lstStyle/>
+          <a:p>
+            <a:r>
+              <a:rPr lang="da-DK" dirty="0"/>
               <a:t>Tak for denne gang</a:t>
             </a:r>
           </a:p>
@@ -4137,7 +4299,15 @@
           <a:p>
             <a:r>
               <a:rPr lang="da-DK" dirty="0"/>
-              <a:t>ISO/IEC 17799 </a:t>
+              <a:t>ISO/IEC </a:t>
+            </a:r>
+            <a:r>
+              <a:rPr lang="da-DK" dirty="0"/>
+              <a:t>27002 (</a:t>
+            </a:r>
+            <a:r>
+              <a:rPr lang="da-DK" dirty="0"/>
+              <a:t>17799)</a:t>
             </a:r>
           </a:p>
           <a:p>
@@ -4276,7 +4446,6 @@
               <a:rPr lang="da-DK" dirty="0"/>
               <a:t>IT-sikkerhedsstrategi – hvorfor og hvad?</a:t>
             </a:r>
-            <a:endParaRPr lang="da-DK" dirty="0"/>
           </a:p>
         </p:txBody>
       </p:sp>
@@ -4311,7 +4480,15 @@
           <a:p>
             <a:r>
               <a:rPr lang="da-DK" dirty="0"/>
-              <a:t>Ifølge ISO 17799: 11 domæner: </a:t>
+              <a:t>Ifølge ISO </a:t>
+            </a:r>
+            <a:r>
+              <a:rPr lang="da-DK" dirty="0"/>
+              <a:t>27002</a:t>
+            </a:r>
+            <a:r>
+              <a:rPr lang="da-DK" dirty="0"/>
+              <a:t>: 11 domæner: </a:t>
             </a:r>
           </a:p>
           <a:p>
@@ -4475,7 +4652,6 @@
               <a:rPr lang="da-DK" dirty="0"/>
               <a:t>It-sikkerhedsstrategi – hvor vil vi hen?</a:t>
             </a:r>
-            <a:endParaRPr lang="da-DK" dirty="0"/>
           </a:p>
         </p:txBody>
       </p:sp>
